--- a/Uber.pptx
+++ b/Uber.pptx
@@ -188,6 +188,7 @@
   </mc:AlternateContent>
   <c:chart>
     <c:title>
+      <c:layout/>
       <c:overlay val="0"/>
       <c:spPr>
         <a:noFill/>
@@ -310,6 +311,7 @@
             <c:showLeaderLines val="0"/>
             <c:extLst>
               <c:ext xmlns:c15="http://schemas.microsoft.com/office/drawing/2012/chart" uri="{CE6537A1-D6FC-4f65-9D91-7224C49458BB}">
+                <c15:layout/>
                 <c15:showLeaderLines val="1"/>
                 <c15:leaderLines>
                   <c:spPr>
@@ -412,11 +414,11 @@
         </c:dLbls>
         <c:marker val="1"/>
         <c:smooth val="0"/>
-        <c:axId val="278686424"/>
-        <c:axId val="354599208"/>
+        <c:axId val="372198160"/>
+        <c:axId val="372195416"/>
       </c:lineChart>
       <c:catAx>
-        <c:axId val="278686424"/>
+        <c:axId val="372198160"/>
         <c:scaling>
           <c:orientation val="minMax"/>
         </c:scaling>
@@ -459,7 +461,7 @@
             <a:endParaRPr lang="en-US"/>
           </a:p>
         </c:txPr>
-        <c:crossAx val="354599208"/>
+        <c:crossAx val="372195416"/>
         <c:crosses val="autoZero"/>
         <c:auto val="1"/>
         <c:lblAlgn val="ctr"/>
@@ -467,7 +469,7 @@
         <c:noMultiLvlLbl val="0"/>
       </c:catAx>
       <c:valAx>
-        <c:axId val="354599208"/>
+        <c:axId val="372195416"/>
         <c:scaling>
           <c:orientation val="minMax"/>
         </c:scaling>
@@ -477,7 +479,7 @@
         <c:majorTickMark val="none"/>
         <c:minorTickMark val="none"/>
         <c:tickLblPos val="nextTo"/>
-        <c:crossAx val="278686424"/>
+        <c:crossAx val="372198160"/>
         <c:crosses val="autoZero"/>
         <c:crossBetween val="between"/>
       </c:valAx>
@@ -564,6 +566,7 @@
           </a:p>
         </c:rich>
       </c:tx>
+      <c:layout/>
       <c:overlay val="0"/>
       <c:spPr>
         <a:noFill/>
@@ -675,6 +678,7 @@
             <c:showLeaderLines val="0"/>
             <c:extLst>
               <c:ext xmlns:c15="http://schemas.microsoft.com/office/drawing/2012/chart" uri="{CE6537A1-D6FC-4f65-9D91-7224C49458BB}">
+                <c15:layout/>
                 <c15:showLeaderLines val="1"/>
                 <c15:leaderLines>
                   <c:spPr>
@@ -791,11 +795,11 @@
           </c:spPr>
         </c:dropLines>
         <c:smooth val="0"/>
-        <c:axId val="354598424"/>
-        <c:axId val="354599600"/>
+        <c:axId val="372197376"/>
+        <c:axId val="372196592"/>
       </c:lineChart>
       <c:catAx>
-        <c:axId val="354598424"/>
+        <c:axId val="372197376"/>
         <c:scaling>
           <c:orientation val="minMax"/>
         </c:scaling>
@@ -838,7 +842,7 @@
             <a:endParaRPr lang="en-US"/>
           </a:p>
         </c:txPr>
-        <c:crossAx val="354599600"/>
+        <c:crossAx val="372196592"/>
         <c:crosses val="autoZero"/>
         <c:auto val="1"/>
         <c:lblAlgn val="ctr"/>
@@ -846,7 +850,7 @@
         <c:noMultiLvlLbl val="0"/>
       </c:catAx>
       <c:valAx>
-        <c:axId val="354599600"/>
+        <c:axId val="372196592"/>
         <c:scaling>
           <c:orientation val="minMax"/>
         </c:scaling>
@@ -883,7 +887,7 @@
             <a:endParaRPr lang="en-US"/>
           </a:p>
         </c:txPr>
-        <c:crossAx val="354598424"/>
+        <c:crossAx val="372197376"/>
         <c:crosses val="autoZero"/>
         <c:crossBetween val="between"/>
       </c:valAx>
@@ -2195,7 +2199,7 @@
           <a:p>
             <a:fld id="{F3534F25-9239-447A-AD6F-A1108B2132A4}" type="datetimeFigureOut">
               <a:rPr lang="en-US" smtClean="0"/>
-              <a:t>5/12/2024</a:t>
+              <a:t>5/18/2024</a:t>
             </a:fld>
             <a:endParaRPr lang="en-US"/>
           </a:p>
@@ -2365,7 +2369,7 @@
           <a:p>
             <a:fld id="{F3534F25-9239-447A-AD6F-A1108B2132A4}" type="datetimeFigureOut">
               <a:rPr lang="en-US" smtClean="0"/>
-              <a:t>5/12/2024</a:t>
+              <a:t>5/18/2024</a:t>
             </a:fld>
             <a:endParaRPr lang="en-US"/>
           </a:p>
@@ -2545,7 +2549,7 @@
           <a:p>
             <a:fld id="{F3534F25-9239-447A-AD6F-A1108B2132A4}" type="datetimeFigureOut">
               <a:rPr lang="en-US" smtClean="0"/>
-              <a:t>5/12/2024</a:t>
+              <a:t>5/18/2024</a:t>
             </a:fld>
             <a:endParaRPr lang="en-US"/>
           </a:p>
@@ -2715,7 +2719,7 @@
           <a:p>
             <a:fld id="{F3534F25-9239-447A-AD6F-A1108B2132A4}" type="datetimeFigureOut">
               <a:rPr lang="en-US" smtClean="0"/>
-              <a:t>5/12/2024</a:t>
+              <a:t>5/18/2024</a:t>
             </a:fld>
             <a:endParaRPr lang="en-US"/>
           </a:p>
@@ -2961,7 +2965,7 @@
           <a:p>
             <a:fld id="{F3534F25-9239-447A-AD6F-A1108B2132A4}" type="datetimeFigureOut">
               <a:rPr lang="en-US" smtClean="0"/>
-              <a:t>5/12/2024</a:t>
+              <a:t>5/18/2024</a:t>
             </a:fld>
             <a:endParaRPr lang="en-US"/>
           </a:p>
@@ -3193,7 +3197,7 @@
           <a:p>
             <a:fld id="{F3534F25-9239-447A-AD6F-A1108B2132A4}" type="datetimeFigureOut">
               <a:rPr lang="en-US" smtClean="0"/>
-              <a:t>5/12/2024</a:t>
+              <a:t>5/18/2024</a:t>
             </a:fld>
             <a:endParaRPr lang="en-US"/>
           </a:p>
@@ -3560,7 +3564,7 @@
           <a:p>
             <a:fld id="{F3534F25-9239-447A-AD6F-A1108B2132A4}" type="datetimeFigureOut">
               <a:rPr lang="en-US" smtClean="0"/>
-              <a:t>5/12/2024</a:t>
+              <a:t>5/18/2024</a:t>
             </a:fld>
             <a:endParaRPr lang="en-US"/>
           </a:p>
@@ -3678,7 +3682,7 @@
           <a:p>
             <a:fld id="{F3534F25-9239-447A-AD6F-A1108B2132A4}" type="datetimeFigureOut">
               <a:rPr lang="en-US" smtClean="0"/>
-              <a:t>5/12/2024</a:t>
+              <a:t>5/18/2024</a:t>
             </a:fld>
             <a:endParaRPr lang="en-US"/>
           </a:p>
@@ -3773,7 +3777,7 @@
           <a:p>
             <a:fld id="{F3534F25-9239-447A-AD6F-A1108B2132A4}" type="datetimeFigureOut">
               <a:rPr lang="en-US" smtClean="0"/>
-              <a:t>5/12/2024</a:t>
+              <a:t>5/18/2024</a:t>
             </a:fld>
             <a:endParaRPr lang="en-US"/>
           </a:p>
@@ -4050,7 +4054,7 @@
           <a:p>
             <a:fld id="{F3534F25-9239-447A-AD6F-A1108B2132A4}" type="datetimeFigureOut">
               <a:rPr lang="en-US" smtClean="0"/>
-              <a:t>5/12/2024</a:t>
+              <a:t>5/18/2024</a:t>
             </a:fld>
             <a:endParaRPr lang="en-US"/>
           </a:p>
@@ -4303,7 +4307,7 @@
           <a:p>
             <a:fld id="{F3534F25-9239-447A-AD6F-A1108B2132A4}" type="datetimeFigureOut">
               <a:rPr lang="en-US" smtClean="0"/>
-              <a:t>5/12/2024</a:t>
+              <a:t>5/18/2024</a:t>
             </a:fld>
             <a:endParaRPr lang="en-US"/>
           </a:p>
@@ -4516,7 +4520,7 @@
           <a:p>
             <a:fld id="{F3534F25-9239-447A-AD6F-A1108B2132A4}" type="datetimeFigureOut">
               <a:rPr lang="en-US" smtClean="0"/>
-              <a:t>5/12/2024</a:t>
+              <a:t>5/18/2024</a:t>
             </a:fld>
             <a:endParaRPr lang="en-US"/>
           </a:p>
@@ -5295,11 +5299,7 @@
           <a:p>
             <a:r>
               <a:rPr lang="en-US" dirty="0" smtClean="0"/>
-              <a:t>Constantly upgrading the app base on people demand &amp; convenience </a:t>
-            </a:r>
-            <a:r>
-              <a:rPr lang="en-US" dirty="0" smtClean="0"/>
-              <a:t>(</a:t>
+              <a:t>Constantly upgrading the app base on people demand &amp; convenience (</a:t>
             </a:r>
             <a:r>
               <a:rPr lang="en-US" dirty="0" err="1" smtClean="0"/>
@@ -5329,7 +5329,6 @@
               <a:rPr lang="en-US" dirty="0" smtClean="0"/>
               <a:t>)</a:t>
             </a:r>
-            <a:endParaRPr lang="en-US" dirty="0" smtClean="0"/>
           </a:p>
         </p:txBody>
       </p:sp>
@@ -6055,8 +6054,24 @@
           <a:lstStyle/>
           <a:p>
             <a:r>
-              <a:rPr lang="en-US" dirty="0" smtClean="0"/>
-              <a:t>4-8 months to develop the app (based on model complexity)</a:t>
+              <a:rPr lang="fa-IR" dirty="0"/>
+              <a:t>3</a:t>
+            </a:r>
+            <a:r>
+              <a:rPr lang="en-US" dirty="0" smtClean="0"/>
+              <a:t>-</a:t>
+            </a:r>
+            <a:r>
+              <a:rPr lang="fa-IR" smtClean="0"/>
+              <a:t>6</a:t>
+            </a:r>
+            <a:r>
+              <a:rPr lang="en-US" smtClean="0"/>
+              <a:t> </a:t>
+            </a:r>
+            <a:r>
+              <a:rPr lang="en-US" dirty="0" smtClean="0"/>
+              <a:t>months to develop the app (based on model complexity)</a:t>
             </a:r>
           </a:p>
           <a:p>
@@ -6068,8 +6083,13 @@
           <a:p>
             <a:r>
               <a:rPr lang="en-US" dirty="0" smtClean="0"/>
-              <a:t>15k – 25k budget</a:t>
-            </a:r>
+              <a:t>15k – 25k </a:t>
+            </a:r>
+            <a:r>
+              <a:rPr lang="en-US" dirty="0" smtClean="0"/>
+              <a:t>budget (depends on developer region)</a:t>
+            </a:r>
+            <a:endParaRPr lang="en-US" dirty="0" smtClean="0"/>
           </a:p>
           <a:p>
             <a:pPr marL="0" indent="0">
@@ -6707,13 +6727,21 @@
         <p:spPr/>
         <p:txBody>
           <a:bodyPr>
-            <a:normAutofit fontScale="92500" lnSpcReduction="10000"/>
+            <a:normAutofit lnSpcReduction="10000"/>
           </a:bodyPr>
           <a:lstStyle/>
           <a:p>
             <a:r>
               <a:rPr lang="en-US" dirty="0" smtClean="0"/>
-              <a:t>iOS &amp; Android app (Native, Hybrid)</a:t>
+              <a:t>iOS &amp; Android </a:t>
+            </a:r>
+            <a:r>
+              <a:rPr lang="en-US" dirty="0" smtClean="0"/>
+              <a:t>app for user and driver </a:t>
+            </a:r>
+            <a:r>
+              <a:rPr lang="en-US" dirty="0" smtClean="0"/>
+              <a:t>(Native, Hybrid)</a:t>
             </a:r>
           </a:p>
           <a:p>
@@ -6731,25 +6759,30 @@
           <a:p>
             <a:r>
               <a:rPr lang="en-US" dirty="0" smtClean="0"/>
-              <a:t>Data Analyzation for most convenient route</a:t>
-            </a:r>
-          </a:p>
-          <a:p>
-            <a:r>
-              <a:rPr lang="en-US" dirty="0" smtClean="0"/>
-              <a:t>Database management (RDBMS[MySQL, </a:t>
-            </a:r>
-            <a:r>
-              <a:rPr lang="en-US" dirty="0" err="1"/>
-              <a:t>P</a:t>
+              <a:t>Data Analyzation for most convenient </a:t>
+            </a:r>
+            <a:r>
+              <a:rPr lang="en-US" dirty="0" smtClean="0"/>
+              <a:t>route and driver verification</a:t>
+            </a:r>
+            <a:endParaRPr lang="en-US" dirty="0" smtClean="0"/>
+          </a:p>
+          <a:p>
+            <a:r>
+              <a:rPr lang="en-US" dirty="0" smtClean="0"/>
+              <a:t>Database management </a:t>
+            </a:r>
+            <a:r>
+              <a:rPr lang="en-US" dirty="0" smtClean="0"/>
+              <a:t>(data science </a:t>
             </a:r>
             <a:r>
               <a:rPr lang="en-US" dirty="0" err="1" smtClean="0"/>
-              <a:t>ostgar</a:t>
-            </a:r>
-            <a:r>
-              <a:rPr lang="en-US" dirty="0" smtClean="0"/>
-              <a:t>], RTL </a:t>
+              <a:t>db</a:t>
+            </a:r>
+            <a:r>
+              <a:rPr lang="en-US" dirty="0" smtClean="0"/>
+              <a:t>, RTL </a:t>
             </a:r>
             <a:r>
               <a:rPr lang="en-US" dirty="0" err="1" smtClean="0"/>
@@ -6796,37 +6829,12 @@
           <a:p>
             <a:r>
               <a:rPr lang="en-US" dirty="0" smtClean="0"/>
-              <a:t>Q&amp;A, AI support, and feedback system.</a:t>
-            </a:r>
-          </a:p>
-          <a:p>
-            <a:r>
-              <a:rPr lang="en-US" dirty="0" smtClean="0"/>
-              <a:t>API, </a:t>
-            </a:r>
-            <a:r>
-              <a:rPr lang="en-US" dirty="0" err="1" smtClean="0"/>
-              <a:t>iOS&amp;Android</a:t>
-            </a:r>
-            <a:r>
-              <a:rPr lang="en-US" dirty="0" smtClean="0"/>
-              <a:t> driver, </a:t>
-            </a:r>
-            <a:r>
-              <a:rPr lang="en-US" dirty="0" err="1" smtClean="0"/>
-              <a:t>iOS&amp;Android</a:t>
-            </a:r>
-            <a:r>
-              <a:rPr lang="en-US" dirty="0" smtClean="0"/>
-              <a:t> user</a:t>
-            </a:r>
-            <a:r>
-              <a:rPr lang="en-US" smtClean="0"/>
-              <a:t>, Admin</a:t>
-            </a:r>
-            <a:endParaRPr lang="en-US" dirty="0" smtClean="0"/>
-          </a:p>
-          <a:p>
+              <a:t>Q&amp;A, AI support, and feedback system</a:t>
+            </a:r>
+            <a:r>
+              <a:rPr lang="en-US" dirty="0" smtClean="0"/>
+              <a:t>.</a:t>
+            </a:r>
             <a:endParaRPr lang="en-US" dirty="0"/>
           </a:p>
         </p:txBody>
@@ -7766,22 +7774,13 @@
           <a:p>
             <a:r>
               <a:rPr lang="en-US" dirty="0" smtClean="0"/>
-              <a:t>Nike, Adidas</a:t>
-            </a:r>
-          </a:p>
-          <a:p>
-            <a:r>
-              <a:rPr lang="en-US" dirty="0"/>
-              <a:t>Google </a:t>
-            </a:r>
-            <a:r>
-              <a:rPr lang="en-US" dirty="0" smtClean="0"/>
-              <a:t>Pay, MasterCard, Visa </a:t>
-            </a:r>
-            <a:r>
-              <a:rPr lang="en-US" dirty="0"/>
-              <a:t>Card</a:t>
-            </a:r>
+              <a:t>Nike, </a:t>
+            </a:r>
+            <a:r>
+              <a:rPr lang="en-US" dirty="0" smtClean="0"/>
+              <a:t>Adidas</a:t>
+            </a:r>
+            <a:endParaRPr lang="en-US" dirty="0"/>
           </a:p>
         </p:txBody>
       </p:sp>

--- a/Uber.pptx
+++ b/Uber.pptx
@@ -188,7 +188,6 @@
   </mc:AlternateContent>
   <c:chart>
     <c:title>
-      <c:layout/>
       <c:overlay val="0"/>
       <c:spPr>
         <a:noFill/>
@@ -311,7 +310,6 @@
             <c:showLeaderLines val="0"/>
             <c:extLst>
               <c:ext xmlns:c15="http://schemas.microsoft.com/office/drawing/2012/chart" uri="{CE6537A1-D6FC-4f65-9D91-7224C49458BB}">
-                <c15:layout/>
                 <c15:showLeaderLines val="1"/>
                 <c15:leaderLines>
                   <c:spPr>
@@ -414,11 +412,11 @@
         </c:dLbls>
         <c:marker val="1"/>
         <c:smooth val="0"/>
-        <c:axId val="372198160"/>
-        <c:axId val="372195416"/>
+        <c:axId val="271751112"/>
+        <c:axId val="351785472"/>
       </c:lineChart>
       <c:catAx>
-        <c:axId val="372198160"/>
+        <c:axId val="271751112"/>
         <c:scaling>
           <c:orientation val="minMax"/>
         </c:scaling>
@@ -461,7 +459,7 @@
             <a:endParaRPr lang="en-US"/>
           </a:p>
         </c:txPr>
-        <c:crossAx val="372195416"/>
+        <c:crossAx val="351785472"/>
         <c:crosses val="autoZero"/>
         <c:auto val="1"/>
         <c:lblAlgn val="ctr"/>
@@ -469,7 +467,7 @@
         <c:noMultiLvlLbl val="0"/>
       </c:catAx>
       <c:valAx>
-        <c:axId val="372195416"/>
+        <c:axId val="351785472"/>
         <c:scaling>
           <c:orientation val="minMax"/>
         </c:scaling>
@@ -479,7 +477,7 @@
         <c:majorTickMark val="none"/>
         <c:minorTickMark val="none"/>
         <c:tickLblPos val="nextTo"/>
-        <c:crossAx val="372198160"/>
+        <c:crossAx val="271751112"/>
         <c:crosses val="autoZero"/>
         <c:crossBetween val="between"/>
       </c:valAx>
@@ -566,7 +564,6 @@
           </a:p>
         </c:rich>
       </c:tx>
-      <c:layout/>
       <c:overlay val="0"/>
       <c:spPr>
         <a:noFill/>
@@ -678,7 +675,6 @@
             <c:showLeaderLines val="0"/>
             <c:extLst>
               <c:ext xmlns:c15="http://schemas.microsoft.com/office/drawing/2012/chart" uri="{CE6537A1-D6FC-4f65-9D91-7224C49458BB}">
-                <c15:layout/>
                 <c15:showLeaderLines val="1"/>
                 <c15:leaderLines>
                   <c:spPr>
@@ -795,11 +791,11 @@
           </c:spPr>
         </c:dropLines>
         <c:smooth val="0"/>
-        <c:axId val="372197376"/>
-        <c:axId val="372196592"/>
+        <c:axId val="351781552"/>
+        <c:axId val="351787040"/>
       </c:lineChart>
       <c:catAx>
-        <c:axId val="372197376"/>
+        <c:axId val="351781552"/>
         <c:scaling>
           <c:orientation val="minMax"/>
         </c:scaling>
@@ -842,7 +838,7 @@
             <a:endParaRPr lang="en-US"/>
           </a:p>
         </c:txPr>
-        <c:crossAx val="372196592"/>
+        <c:crossAx val="351787040"/>
         <c:crosses val="autoZero"/>
         <c:auto val="1"/>
         <c:lblAlgn val="ctr"/>
@@ -850,7 +846,7 @@
         <c:noMultiLvlLbl val="0"/>
       </c:catAx>
       <c:valAx>
-        <c:axId val="372196592"/>
+        <c:axId val="351787040"/>
         <c:scaling>
           <c:orientation val="minMax"/>
         </c:scaling>
@@ -887,7 +883,7 @@
             <a:endParaRPr lang="en-US"/>
           </a:p>
         </c:txPr>
-        <c:crossAx val="372197376"/>
+        <c:crossAx val="351781552"/>
         <c:crosses val="autoZero"/>
         <c:crossBetween val="between"/>
       </c:valAx>
@@ -2199,7 +2195,7 @@
           <a:p>
             <a:fld id="{F3534F25-9239-447A-AD6F-A1108B2132A4}" type="datetimeFigureOut">
               <a:rPr lang="en-US" smtClean="0"/>
-              <a:t>5/18/2024</a:t>
+              <a:t>5/19/2024</a:t>
             </a:fld>
             <a:endParaRPr lang="en-US"/>
           </a:p>
@@ -2369,7 +2365,7 @@
           <a:p>
             <a:fld id="{F3534F25-9239-447A-AD6F-A1108B2132A4}" type="datetimeFigureOut">
               <a:rPr lang="en-US" smtClean="0"/>
-              <a:t>5/18/2024</a:t>
+              <a:t>5/19/2024</a:t>
             </a:fld>
             <a:endParaRPr lang="en-US"/>
           </a:p>
@@ -2549,7 +2545,7 @@
           <a:p>
             <a:fld id="{F3534F25-9239-447A-AD6F-A1108B2132A4}" type="datetimeFigureOut">
               <a:rPr lang="en-US" smtClean="0"/>
-              <a:t>5/18/2024</a:t>
+              <a:t>5/19/2024</a:t>
             </a:fld>
             <a:endParaRPr lang="en-US"/>
           </a:p>
@@ -2719,7 +2715,7 @@
           <a:p>
             <a:fld id="{F3534F25-9239-447A-AD6F-A1108B2132A4}" type="datetimeFigureOut">
               <a:rPr lang="en-US" smtClean="0"/>
-              <a:t>5/18/2024</a:t>
+              <a:t>5/19/2024</a:t>
             </a:fld>
             <a:endParaRPr lang="en-US"/>
           </a:p>
@@ -2965,7 +2961,7 @@
           <a:p>
             <a:fld id="{F3534F25-9239-447A-AD6F-A1108B2132A4}" type="datetimeFigureOut">
               <a:rPr lang="en-US" smtClean="0"/>
-              <a:t>5/18/2024</a:t>
+              <a:t>5/19/2024</a:t>
             </a:fld>
             <a:endParaRPr lang="en-US"/>
           </a:p>
@@ -3197,7 +3193,7 @@
           <a:p>
             <a:fld id="{F3534F25-9239-447A-AD6F-A1108B2132A4}" type="datetimeFigureOut">
               <a:rPr lang="en-US" smtClean="0"/>
-              <a:t>5/18/2024</a:t>
+              <a:t>5/19/2024</a:t>
             </a:fld>
             <a:endParaRPr lang="en-US"/>
           </a:p>
@@ -3564,7 +3560,7 @@
           <a:p>
             <a:fld id="{F3534F25-9239-447A-AD6F-A1108B2132A4}" type="datetimeFigureOut">
               <a:rPr lang="en-US" smtClean="0"/>
-              <a:t>5/18/2024</a:t>
+              <a:t>5/19/2024</a:t>
             </a:fld>
             <a:endParaRPr lang="en-US"/>
           </a:p>
@@ -3682,7 +3678,7 @@
           <a:p>
             <a:fld id="{F3534F25-9239-447A-AD6F-A1108B2132A4}" type="datetimeFigureOut">
               <a:rPr lang="en-US" smtClean="0"/>
-              <a:t>5/18/2024</a:t>
+              <a:t>5/19/2024</a:t>
             </a:fld>
             <a:endParaRPr lang="en-US"/>
           </a:p>
@@ -3777,7 +3773,7 @@
           <a:p>
             <a:fld id="{F3534F25-9239-447A-AD6F-A1108B2132A4}" type="datetimeFigureOut">
               <a:rPr lang="en-US" smtClean="0"/>
-              <a:t>5/18/2024</a:t>
+              <a:t>5/19/2024</a:t>
             </a:fld>
             <a:endParaRPr lang="en-US"/>
           </a:p>
@@ -4054,7 +4050,7 @@
           <a:p>
             <a:fld id="{F3534F25-9239-447A-AD6F-A1108B2132A4}" type="datetimeFigureOut">
               <a:rPr lang="en-US" smtClean="0"/>
-              <a:t>5/18/2024</a:t>
+              <a:t>5/19/2024</a:t>
             </a:fld>
             <a:endParaRPr lang="en-US"/>
           </a:p>
@@ -4307,7 +4303,7 @@
           <a:p>
             <a:fld id="{F3534F25-9239-447A-AD6F-A1108B2132A4}" type="datetimeFigureOut">
               <a:rPr lang="en-US" smtClean="0"/>
-              <a:t>5/18/2024</a:t>
+              <a:t>5/19/2024</a:t>
             </a:fld>
             <a:endParaRPr lang="en-US"/>
           </a:p>
@@ -4520,7 +4516,7 @@
           <a:p>
             <a:fld id="{F3534F25-9239-447A-AD6F-A1108B2132A4}" type="datetimeFigureOut">
               <a:rPr lang="en-US" smtClean="0"/>
-              <a:t>5/18/2024</a:t>
+              <a:t>5/19/2024</a:t>
             </a:fld>
             <a:endParaRPr lang="en-US"/>
           </a:p>
@@ -6083,13 +6079,8 @@
           <a:p>
             <a:r>
               <a:rPr lang="en-US" dirty="0" smtClean="0"/>
-              <a:t>15k – 25k </a:t>
-            </a:r>
-            <a:r>
-              <a:rPr lang="en-US" dirty="0" smtClean="0"/>
-              <a:t>budget (depends on developer region)</a:t>
-            </a:r>
-            <a:endParaRPr lang="en-US" dirty="0" smtClean="0"/>
+              <a:t>15k – 25k budget (depends on developer region)</a:t>
+            </a:r>
           </a:p>
           <a:p>
             <a:pPr marL="0" indent="0">
@@ -6733,15 +6724,7 @@
           <a:p>
             <a:r>
               <a:rPr lang="en-US" dirty="0" smtClean="0"/>
-              <a:t>iOS &amp; Android </a:t>
-            </a:r>
-            <a:r>
-              <a:rPr lang="en-US" dirty="0" smtClean="0"/>
-              <a:t>app for user and driver </a:t>
-            </a:r>
-            <a:r>
-              <a:rPr lang="en-US" dirty="0" smtClean="0"/>
-              <a:t>(Native, Hybrid)</a:t>
+              <a:t>iOS &amp; Android app for user and driver (Native, Hybrid)</a:t>
             </a:r>
           </a:p>
           <a:p>
@@ -6759,22 +6742,13 @@
           <a:p>
             <a:r>
               <a:rPr lang="en-US" dirty="0" smtClean="0"/>
-              <a:t>Data Analyzation for most convenient </a:t>
-            </a:r>
-            <a:r>
-              <a:rPr lang="en-US" dirty="0" smtClean="0"/>
-              <a:t>route and driver verification</a:t>
-            </a:r>
-            <a:endParaRPr lang="en-US" dirty="0" smtClean="0"/>
-          </a:p>
-          <a:p>
-            <a:r>
-              <a:rPr lang="en-US" dirty="0" smtClean="0"/>
-              <a:t>Database management </a:t>
-            </a:r>
-            <a:r>
-              <a:rPr lang="en-US" dirty="0" smtClean="0"/>
-              <a:t>(data science </a:t>
+              <a:t>Data Analyzation for most convenient route and driver verification</a:t>
+            </a:r>
+          </a:p>
+          <a:p>
+            <a:r>
+              <a:rPr lang="en-US" dirty="0" smtClean="0"/>
+              <a:t>Database management (data science </a:t>
             </a:r>
             <a:r>
               <a:rPr lang="en-US" dirty="0" err="1" smtClean="0"/>
@@ -6829,11 +6803,7 @@
           <a:p>
             <a:r>
               <a:rPr lang="en-US" dirty="0" smtClean="0"/>
-              <a:t>Q&amp;A, AI support, and feedback system</a:t>
-            </a:r>
-            <a:r>
-              <a:rPr lang="en-US" dirty="0" smtClean="0"/>
-              <a:t>.</a:t>
+              <a:t>Q&amp;A, AI support, and feedback system.</a:t>
             </a:r>
             <a:endParaRPr lang="en-US" dirty="0"/>
           </a:p>
@@ -7370,7 +7340,27 @@
             </a:pPr>
             <a:r>
               <a:rPr lang="en-US" dirty="0" smtClean="0"/>
-              <a:t>Yes; Uber used the platform base aggregator, which is not directly involved on any process</a:t>
+              <a:t>Yes; Uber used </a:t>
+            </a:r>
+            <a:r>
+              <a:rPr lang="en-US" smtClean="0"/>
+              <a:t>the </a:t>
+            </a:r>
+            <a:r>
+              <a:rPr lang="en-US" smtClean="0"/>
+              <a:t>platform </a:t>
+            </a:r>
+            <a:r>
+              <a:rPr lang="en-US" dirty="0" smtClean="0"/>
+              <a:t>base aggregator, which is not directly involved on </a:t>
+            </a:r>
+            <a:r>
+              <a:rPr lang="en-US" smtClean="0"/>
+              <a:t>any </a:t>
+            </a:r>
+            <a:r>
+              <a:rPr lang="en-US" smtClean="0"/>
+              <a:t>process.</a:t>
             </a:r>
             <a:endParaRPr lang="en-US" dirty="0"/>
           </a:p>
@@ -7774,11 +7764,7 @@
           <a:p>
             <a:r>
               <a:rPr lang="en-US" dirty="0" smtClean="0"/>
-              <a:t>Nike, </a:t>
-            </a:r>
-            <a:r>
-              <a:rPr lang="en-US" dirty="0" smtClean="0"/>
-              <a:t>Adidas</a:t>
+              <a:t>Nike, Adidas</a:t>
             </a:r>
             <a:endParaRPr lang="en-US" dirty="0"/>
           </a:p>
